--- a/_posts/ithome/2021/8.線性迴歸/Linear Regression.pptx
+++ b/_posts/ithome/2021/8.線性迴歸/Linear Regression.pptx
@@ -211,7 +211,7 @@
           <a:p>
             <a:fld id="{70F9483D-5685-4610-8B91-BE6D65D1569A}" type="datetimeFigureOut">
               <a:rPr lang="zh-TW" altLang="en-US" smtClean="0"/>
-              <a:t>2021/9/20</a:t>
+              <a:t>2021/9/26</a:t>
             </a:fld>
             <a:endParaRPr lang="zh-TW" altLang="en-US"/>
           </a:p>
@@ -4010,7 +4010,7 @@
           <a:p>
             <a:fld id="{B90AA977-5E56-4B1C-84F9-CDECE789AE20}" type="datetimeFigureOut">
               <a:rPr lang="zh-TW" altLang="en-US" smtClean="0"/>
-              <a:t>2021/9/20</a:t>
+              <a:t>2021/9/26</a:t>
             </a:fld>
             <a:endParaRPr lang="zh-TW" altLang="en-US"/>
           </a:p>
@@ -4546,7 +4546,7 @@
               <a:effectLst/>
               <a:extLst>
                 <a:ext uri="{C572A759-6A51-4108-AA02-DFA0A04FC94B}">
-                  <ma14:wrappingTextBoxFlag xmlns="" xmlns:m="http://schemas.openxmlformats.org/officeDocument/2006/math" xmlns:a14="http://schemas.microsoft.com/office/drawing/2010/main" xmlns:ma14="http://schemas.microsoft.com/office/mac/drawingml/2011/main" val="1"/>
+                  <ma14:wrappingTextBoxFlag xmlns:ma14="http://schemas.microsoft.com/office/mac/drawingml/2011/main" xmlns:a14="http://schemas.microsoft.com/office/drawing/2010/main" xmlns:m="http://schemas.openxmlformats.org/officeDocument/2006/math" xmlns="" val="1"/>
                 </a:ext>
               </a:extLst>
             </p:spPr>
@@ -4739,7 +4739,7 @@
               <a:effectLst/>
               <a:extLst>
                 <a:ext uri="{C572A759-6A51-4108-AA02-DFA0A04FC94B}">
-                  <ma14:wrappingTextBoxFlag xmlns="" xmlns:m="http://schemas.openxmlformats.org/officeDocument/2006/math" xmlns:a14="http://schemas.microsoft.com/office/drawing/2010/main" xmlns:ma14="http://schemas.microsoft.com/office/mac/drawingml/2011/main" val="1"/>
+                  <ma14:wrappingTextBoxFlag xmlns:ma14="http://schemas.microsoft.com/office/mac/drawingml/2011/main" xmlns:a14="http://schemas.microsoft.com/office/drawing/2010/main" xmlns:m="http://schemas.openxmlformats.org/officeDocument/2006/math" xmlns="" val="1"/>
                 </a:ext>
               </a:extLst>
             </p:spPr>
@@ -4954,7 +4954,7 @@
               <a:effectLst/>
               <a:extLst>
                 <a:ext uri="{C572A759-6A51-4108-AA02-DFA0A04FC94B}">
-                  <ma14:wrappingTextBoxFlag xmlns="" xmlns:m="http://schemas.openxmlformats.org/officeDocument/2006/math" xmlns:a14="http://schemas.microsoft.com/office/drawing/2010/main" xmlns:ma14="http://schemas.microsoft.com/office/mac/drawingml/2011/main" val="1"/>
+                  <ma14:wrappingTextBoxFlag xmlns:ma14="http://schemas.microsoft.com/office/mac/drawingml/2011/main" xmlns:a14="http://schemas.microsoft.com/office/drawing/2010/main" xmlns:m="http://schemas.openxmlformats.org/officeDocument/2006/math" xmlns="" val="1"/>
                 </a:ext>
               </a:extLst>
             </p:spPr>
@@ -5157,7 +5157,7 @@
               <a:effectLst/>
               <a:extLst>
                 <a:ext uri="{C572A759-6A51-4108-AA02-DFA0A04FC94B}">
-                  <ma14:wrappingTextBoxFlag xmlns="" xmlns:m="http://schemas.openxmlformats.org/officeDocument/2006/math" xmlns:a14="http://schemas.microsoft.com/office/drawing/2010/main" xmlns:ma14="http://schemas.microsoft.com/office/mac/drawingml/2011/main" val="1"/>
+                  <ma14:wrappingTextBoxFlag xmlns:ma14="http://schemas.microsoft.com/office/mac/drawingml/2011/main" xmlns:a14="http://schemas.microsoft.com/office/drawing/2010/main" xmlns:m="http://schemas.openxmlformats.org/officeDocument/2006/math" xmlns="" val="1"/>
                 </a:ext>
               </a:extLst>
             </p:spPr>
@@ -5350,7 +5350,7 @@
               <a:effectLst/>
               <a:extLst>
                 <a:ext uri="{C572A759-6A51-4108-AA02-DFA0A04FC94B}">
-                  <ma14:wrappingTextBoxFlag xmlns="" xmlns:m="http://schemas.openxmlformats.org/officeDocument/2006/math" xmlns:a14="http://schemas.microsoft.com/office/drawing/2010/main" xmlns:ma14="http://schemas.microsoft.com/office/mac/drawingml/2011/main" val="1"/>
+                  <ma14:wrappingTextBoxFlag xmlns:ma14="http://schemas.microsoft.com/office/mac/drawingml/2011/main" xmlns:a14="http://schemas.microsoft.com/office/drawing/2010/main" xmlns:m="http://schemas.openxmlformats.org/officeDocument/2006/math" xmlns="" val="1"/>
                 </a:ext>
               </a:extLst>
             </p:spPr>
@@ -5565,7 +5565,7 @@
               <a:effectLst/>
               <a:extLst>
                 <a:ext uri="{C572A759-6A51-4108-AA02-DFA0A04FC94B}">
-                  <ma14:wrappingTextBoxFlag xmlns="" xmlns:m="http://schemas.openxmlformats.org/officeDocument/2006/math" xmlns:a14="http://schemas.microsoft.com/office/drawing/2010/main" xmlns:ma14="http://schemas.microsoft.com/office/mac/drawingml/2011/main" val="1"/>
+                  <ma14:wrappingTextBoxFlag xmlns:ma14="http://schemas.microsoft.com/office/mac/drawingml/2011/main" xmlns:a14="http://schemas.microsoft.com/office/drawing/2010/main" xmlns:m="http://schemas.openxmlformats.org/officeDocument/2006/math" xmlns="" val="1"/>
                 </a:ext>
               </a:extLst>
             </p:spPr>
@@ -5768,7 +5768,7 @@
               <a:effectLst/>
               <a:extLst>
                 <a:ext uri="{C572A759-6A51-4108-AA02-DFA0A04FC94B}">
-                  <ma14:wrappingTextBoxFlag xmlns="" xmlns:m="http://schemas.openxmlformats.org/officeDocument/2006/math" xmlns:a14="http://schemas.microsoft.com/office/drawing/2010/main" xmlns:ma14="http://schemas.microsoft.com/office/mac/drawingml/2011/main" val="1"/>
+                  <ma14:wrappingTextBoxFlag xmlns:ma14="http://schemas.microsoft.com/office/mac/drawingml/2011/main" xmlns:a14="http://schemas.microsoft.com/office/drawing/2010/main" xmlns:m="http://schemas.openxmlformats.org/officeDocument/2006/math" xmlns="" val="1"/>
                 </a:ext>
               </a:extLst>
             </p:spPr>
@@ -5961,7 +5961,7 @@
               <a:effectLst/>
               <a:extLst>
                 <a:ext uri="{C572A759-6A51-4108-AA02-DFA0A04FC94B}">
-                  <ma14:wrappingTextBoxFlag xmlns="" xmlns:m="http://schemas.openxmlformats.org/officeDocument/2006/math" xmlns:a14="http://schemas.microsoft.com/office/drawing/2010/main" xmlns:ma14="http://schemas.microsoft.com/office/mac/drawingml/2011/main" val="1"/>
+                  <ma14:wrappingTextBoxFlag xmlns:ma14="http://schemas.microsoft.com/office/mac/drawingml/2011/main" xmlns:a14="http://schemas.microsoft.com/office/drawing/2010/main" xmlns:m="http://schemas.openxmlformats.org/officeDocument/2006/math" xmlns="" val="1"/>
                 </a:ext>
               </a:extLst>
             </p:spPr>
@@ -6176,7 +6176,7 @@
               <a:effectLst/>
               <a:extLst>
                 <a:ext uri="{C572A759-6A51-4108-AA02-DFA0A04FC94B}">
-                  <ma14:wrappingTextBoxFlag xmlns="" xmlns:m="http://schemas.openxmlformats.org/officeDocument/2006/math" xmlns:a14="http://schemas.microsoft.com/office/drawing/2010/main" xmlns:ma14="http://schemas.microsoft.com/office/mac/drawingml/2011/main" val="1"/>
+                  <ma14:wrappingTextBoxFlag xmlns:ma14="http://schemas.microsoft.com/office/mac/drawingml/2011/main" xmlns:a14="http://schemas.microsoft.com/office/drawing/2010/main" xmlns:m="http://schemas.openxmlformats.org/officeDocument/2006/math" xmlns="" val="1"/>
                 </a:ext>
               </a:extLst>
             </p:spPr>
@@ -6487,8 +6487,8 @@
           </p:sp>
         </mc:Fallback>
       </mc:AlternateContent>
-      <mc:AlternateContent xmlns:mc="http://schemas.openxmlformats.org/markup-compatibility/2006">
-        <mc:Choice xmlns:a14="http://schemas.microsoft.com/office/drawing/2010/main" Requires="a14">
+      <mc:AlternateContent xmlns:mc="http://schemas.openxmlformats.org/markup-compatibility/2006" xmlns:a14="http://schemas.microsoft.com/office/drawing/2010/main">
+        <mc:Choice Requires="a14">
           <p:sp>
             <p:nvSpPr>
               <p:cNvPr id="9" name="TextBox 8">
@@ -6693,7 +6693,7 @@
             </p:txBody>
           </p:sp>
         </mc:Choice>
-        <mc:Fallback>
+        <mc:Fallback xmlns="">
           <p:sp>
             <p:nvSpPr>
               <p:cNvPr id="9" name="TextBox 8">
@@ -6738,8 +6738,8 @@
           </p:sp>
         </mc:Fallback>
       </mc:AlternateContent>
-      <mc:AlternateContent xmlns:mc="http://schemas.openxmlformats.org/markup-compatibility/2006">
-        <mc:Choice xmlns:a14="http://schemas.microsoft.com/office/drawing/2010/main" Requires="a14">
+      <mc:AlternateContent xmlns:mc="http://schemas.openxmlformats.org/markup-compatibility/2006" xmlns:a14="http://schemas.microsoft.com/office/drawing/2010/main">
+        <mc:Choice Requires="a14">
           <p:sp>
             <p:nvSpPr>
               <p:cNvPr id="11" name="TextBox 10">
@@ -6889,7 +6889,7 @@
             </p:txBody>
           </p:sp>
         </mc:Choice>
-        <mc:Fallback>
+        <mc:Fallback xmlns="">
           <p:sp>
             <p:nvSpPr>
               <p:cNvPr id="11" name="TextBox 10">
@@ -6934,8 +6934,8 @@
           </p:sp>
         </mc:Fallback>
       </mc:AlternateContent>
-      <mc:AlternateContent xmlns:mc="http://schemas.openxmlformats.org/markup-compatibility/2006">
-        <mc:Choice xmlns:a14="http://schemas.microsoft.com/office/drawing/2010/main" Requires="a14">
+      <mc:AlternateContent xmlns:mc="http://schemas.openxmlformats.org/markup-compatibility/2006" xmlns:a14="http://schemas.microsoft.com/office/drawing/2010/main">
+        <mc:Choice Requires="a14">
           <p:sp>
             <p:nvSpPr>
               <p:cNvPr id="12" name="Rectangle 11">
@@ -7041,7 +7041,7 @@
             </p:txBody>
           </p:sp>
         </mc:Choice>
-        <mc:Fallback>
+        <mc:Fallback xmlns="">
           <p:sp>
             <p:nvSpPr>
               <p:cNvPr id="12" name="Rectangle 11">
@@ -7154,7 +7154,7 @@
               <a:effectLst/>
               <a:extLst>
                 <a:ext uri="{C572A759-6A51-4108-AA02-DFA0A04FC94B}">
-                  <ma14:wrappingTextBoxFlag xmlns="" xmlns:m="http://schemas.openxmlformats.org/officeDocument/2006/math" xmlns:a14="http://schemas.microsoft.com/office/drawing/2010/main" xmlns:ma14="http://schemas.microsoft.com/office/mac/drawingml/2011/main" val="1"/>
+                  <ma14:wrappingTextBoxFlag xmlns:ma14="http://schemas.microsoft.com/office/mac/drawingml/2011/main" xmlns:a14="http://schemas.microsoft.com/office/drawing/2010/main" xmlns:m="http://schemas.openxmlformats.org/officeDocument/2006/math" xmlns="" val="1"/>
                 </a:ext>
               </a:extLst>
             </p:spPr>
@@ -7347,7 +7347,7 @@
               <a:effectLst/>
               <a:extLst>
                 <a:ext uri="{C572A759-6A51-4108-AA02-DFA0A04FC94B}">
-                  <ma14:wrappingTextBoxFlag xmlns="" xmlns:m="http://schemas.openxmlformats.org/officeDocument/2006/math" xmlns:a14="http://schemas.microsoft.com/office/drawing/2010/main" xmlns:ma14="http://schemas.microsoft.com/office/mac/drawingml/2011/main" val="1"/>
+                  <ma14:wrappingTextBoxFlag xmlns:ma14="http://schemas.microsoft.com/office/mac/drawingml/2011/main" xmlns:a14="http://schemas.microsoft.com/office/drawing/2010/main" xmlns:m="http://schemas.openxmlformats.org/officeDocument/2006/math" xmlns="" val="1"/>
                 </a:ext>
               </a:extLst>
             </p:spPr>
@@ -7562,7 +7562,7 @@
               <a:effectLst/>
               <a:extLst>
                 <a:ext uri="{C572A759-6A51-4108-AA02-DFA0A04FC94B}">
-                  <ma14:wrappingTextBoxFlag xmlns="" xmlns:m="http://schemas.openxmlformats.org/officeDocument/2006/math" xmlns:a14="http://schemas.microsoft.com/office/drawing/2010/main" xmlns:ma14="http://schemas.microsoft.com/office/mac/drawingml/2011/main" val="1"/>
+                  <ma14:wrappingTextBoxFlag xmlns:ma14="http://schemas.microsoft.com/office/mac/drawingml/2011/main" xmlns:a14="http://schemas.microsoft.com/office/drawing/2010/main" xmlns:m="http://schemas.openxmlformats.org/officeDocument/2006/math" xmlns="" val="1"/>
                 </a:ext>
               </a:extLst>
             </p:spPr>
@@ -7765,7 +7765,7 @@
               <a:effectLst/>
               <a:extLst>
                 <a:ext uri="{C572A759-6A51-4108-AA02-DFA0A04FC94B}">
-                  <ma14:wrappingTextBoxFlag xmlns="" xmlns:m="http://schemas.openxmlformats.org/officeDocument/2006/math" xmlns:a14="http://schemas.microsoft.com/office/drawing/2010/main" xmlns:ma14="http://schemas.microsoft.com/office/mac/drawingml/2011/main" val="1"/>
+                  <ma14:wrappingTextBoxFlag xmlns:ma14="http://schemas.microsoft.com/office/mac/drawingml/2011/main" xmlns:a14="http://schemas.microsoft.com/office/drawing/2010/main" xmlns:m="http://schemas.openxmlformats.org/officeDocument/2006/math" xmlns="" val="1"/>
                 </a:ext>
               </a:extLst>
             </p:spPr>
@@ -7958,7 +7958,7 @@
               <a:effectLst/>
               <a:extLst>
                 <a:ext uri="{C572A759-6A51-4108-AA02-DFA0A04FC94B}">
-                  <ma14:wrappingTextBoxFlag xmlns="" xmlns:m="http://schemas.openxmlformats.org/officeDocument/2006/math" xmlns:a14="http://schemas.microsoft.com/office/drawing/2010/main" xmlns:ma14="http://schemas.microsoft.com/office/mac/drawingml/2011/main" val="1"/>
+                  <ma14:wrappingTextBoxFlag xmlns:ma14="http://schemas.microsoft.com/office/mac/drawingml/2011/main" xmlns:a14="http://schemas.microsoft.com/office/drawing/2010/main" xmlns:m="http://schemas.openxmlformats.org/officeDocument/2006/math" xmlns="" val="1"/>
                 </a:ext>
               </a:extLst>
             </p:spPr>
@@ -8173,7 +8173,7 @@
               <a:effectLst/>
               <a:extLst>
                 <a:ext uri="{C572A759-6A51-4108-AA02-DFA0A04FC94B}">
-                  <ma14:wrappingTextBoxFlag xmlns="" xmlns:m="http://schemas.openxmlformats.org/officeDocument/2006/math" xmlns:a14="http://schemas.microsoft.com/office/drawing/2010/main" xmlns:ma14="http://schemas.microsoft.com/office/mac/drawingml/2011/main" val="1"/>
+                  <ma14:wrappingTextBoxFlag xmlns:ma14="http://schemas.microsoft.com/office/mac/drawingml/2011/main" xmlns:a14="http://schemas.microsoft.com/office/drawing/2010/main" xmlns:m="http://schemas.openxmlformats.org/officeDocument/2006/math" xmlns="" val="1"/>
                 </a:ext>
               </a:extLst>
             </p:spPr>
@@ -8376,7 +8376,7 @@
               <a:effectLst/>
               <a:extLst>
                 <a:ext uri="{C572A759-6A51-4108-AA02-DFA0A04FC94B}">
-                  <ma14:wrappingTextBoxFlag xmlns="" xmlns:m="http://schemas.openxmlformats.org/officeDocument/2006/math" xmlns:a14="http://schemas.microsoft.com/office/drawing/2010/main" xmlns:ma14="http://schemas.microsoft.com/office/mac/drawingml/2011/main" val="1"/>
+                  <ma14:wrappingTextBoxFlag xmlns:ma14="http://schemas.microsoft.com/office/mac/drawingml/2011/main" xmlns:a14="http://schemas.microsoft.com/office/drawing/2010/main" xmlns:m="http://schemas.openxmlformats.org/officeDocument/2006/math" xmlns="" val="1"/>
                 </a:ext>
               </a:extLst>
             </p:spPr>
@@ -8569,7 +8569,7 @@
               <a:effectLst/>
               <a:extLst>
                 <a:ext uri="{C572A759-6A51-4108-AA02-DFA0A04FC94B}">
-                  <ma14:wrappingTextBoxFlag xmlns="" xmlns:m="http://schemas.openxmlformats.org/officeDocument/2006/math" xmlns:a14="http://schemas.microsoft.com/office/drawing/2010/main" xmlns:ma14="http://schemas.microsoft.com/office/mac/drawingml/2011/main" val="1"/>
+                  <ma14:wrappingTextBoxFlag xmlns:ma14="http://schemas.microsoft.com/office/mac/drawingml/2011/main" xmlns:a14="http://schemas.microsoft.com/office/drawing/2010/main" xmlns:m="http://schemas.openxmlformats.org/officeDocument/2006/math" xmlns="" val="1"/>
                 </a:ext>
               </a:extLst>
             </p:spPr>
@@ -8784,7 +8784,7 @@
               <a:effectLst/>
               <a:extLst>
                 <a:ext uri="{C572A759-6A51-4108-AA02-DFA0A04FC94B}">
-                  <ma14:wrappingTextBoxFlag xmlns="" xmlns:m="http://schemas.openxmlformats.org/officeDocument/2006/math" xmlns:a14="http://schemas.microsoft.com/office/drawing/2010/main" xmlns:ma14="http://schemas.microsoft.com/office/mac/drawingml/2011/main" val="1"/>
+                  <ma14:wrappingTextBoxFlag xmlns:ma14="http://schemas.microsoft.com/office/mac/drawingml/2011/main" xmlns:a14="http://schemas.microsoft.com/office/drawing/2010/main" xmlns:m="http://schemas.openxmlformats.org/officeDocument/2006/math" xmlns="" val="1"/>
                 </a:ext>
               </a:extLst>
             </p:spPr>
@@ -9173,7 +9173,7 @@
               <a:effectLst/>
               <a:extLst>
                 <a:ext uri="{C572A759-6A51-4108-AA02-DFA0A04FC94B}">
-                  <ma14:wrappingTextBoxFlag xmlns="" xmlns:m="http://schemas.openxmlformats.org/officeDocument/2006/math" xmlns:a14="http://schemas.microsoft.com/office/drawing/2010/main" xmlns:ma14="http://schemas.microsoft.com/office/mac/drawingml/2011/main" val="1"/>
+                  <ma14:wrappingTextBoxFlag xmlns:ma14="http://schemas.microsoft.com/office/mac/drawingml/2011/main" xmlns:a14="http://schemas.microsoft.com/office/drawing/2010/main" xmlns:m="http://schemas.openxmlformats.org/officeDocument/2006/math" xmlns="" val="1"/>
                 </a:ext>
               </a:extLst>
             </p:spPr>
@@ -9366,7 +9366,7 @@
               <a:effectLst/>
               <a:extLst>
                 <a:ext uri="{C572A759-6A51-4108-AA02-DFA0A04FC94B}">
-                  <ma14:wrappingTextBoxFlag xmlns="" xmlns:m="http://schemas.openxmlformats.org/officeDocument/2006/math" xmlns:a14="http://schemas.microsoft.com/office/drawing/2010/main" xmlns:ma14="http://schemas.microsoft.com/office/mac/drawingml/2011/main" val="1"/>
+                  <ma14:wrappingTextBoxFlag xmlns:ma14="http://schemas.microsoft.com/office/mac/drawingml/2011/main" xmlns:a14="http://schemas.microsoft.com/office/drawing/2010/main" xmlns:m="http://schemas.openxmlformats.org/officeDocument/2006/math" xmlns="" val="1"/>
                 </a:ext>
               </a:extLst>
             </p:spPr>
@@ -9581,7 +9581,7 @@
               <a:effectLst/>
               <a:extLst>
                 <a:ext uri="{C572A759-6A51-4108-AA02-DFA0A04FC94B}">
-                  <ma14:wrappingTextBoxFlag xmlns="" xmlns:m="http://schemas.openxmlformats.org/officeDocument/2006/math" xmlns:a14="http://schemas.microsoft.com/office/drawing/2010/main" xmlns:ma14="http://schemas.microsoft.com/office/mac/drawingml/2011/main" val="1"/>
+                  <ma14:wrappingTextBoxFlag xmlns:ma14="http://schemas.microsoft.com/office/mac/drawingml/2011/main" xmlns:a14="http://schemas.microsoft.com/office/drawing/2010/main" xmlns:m="http://schemas.openxmlformats.org/officeDocument/2006/math" xmlns="" val="1"/>
                 </a:ext>
               </a:extLst>
             </p:spPr>
@@ -14034,10 +14034,10 @@
       </mc:AlternateContent>
       <p:grpSp>
         <p:nvGrpSpPr>
-          <p:cNvPr id="26" name="Group 25">
+          <p:cNvPr id="34" name="Group 33">
             <a:extLst>
               <a:ext uri="{FF2B5EF4-FFF2-40B4-BE49-F238E27FC236}">
-                <a16:creationId xmlns:a16="http://schemas.microsoft.com/office/drawing/2014/main" id="{593150A3-82BF-1D42-B3DC-BEB3E997D746}"/>
+                <a16:creationId xmlns:a16="http://schemas.microsoft.com/office/drawing/2014/main" id="{72FA7E41-3684-0748-9B3E-74F47CF7ED06}"/>
               </a:ext>
             </a:extLst>
           </p:cNvPr>
@@ -14046,18 +14046,18 @@
         </p:nvGrpSpPr>
         <p:grpSpPr>
           <a:xfrm>
-            <a:off x="1682335" y="4999304"/>
-            <a:ext cx="9302184" cy="2054723"/>
-            <a:chOff x="3360126" y="3971848"/>
-            <a:chExt cx="5764444" cy="1050587"/>
+            <a:off x="1489122" y="4933952"/>
+            <a:ext cx="9363802" cy="1746000"/>
+            <a:chOff x="3360126" y="4043080"/>
+            <a:chExt cx="5802628" cy="892736"/>
           </a:xfrm>
         </p:grpSpPr>
         <p:grpSp>
           <p:nvGrpSpPr>
-            <p:cNvPr id="27" name="Group 26">
+            <p:cNvPr id="35" name="Group 34">
               <a:extLst>
                 <a:ext uri="{FF2B5EF4-FFF2-40B4-BE49-F238E27FC236}">
-                  <a16:creationId xmlns:a16="http://schemas.microsoft.com/office/drawing/2014/main" id="{1832E4B8-43FD-4946-993D-8C915655A189}"/>
+                  <a16:creationId xmlns:a16="http://schemas.microsoft.com/office/drawing/2014/main" id="{E696F981-8221-8B45-9EEA-E0D9433D7762}"/>
                 </a:ext>
               </a:extLst>
             </p:cNvPr>
@@ -14074,10 +14074,10 @@
           </p:grpSpPr>
           <p:sp>
             <p:nvSpPr>
-              <p:cNvPr id="32" name="Intelligent Information Retrieval Laboratory">
+              <p:cNvPr id="40" name="Intelligent Information Retrieval Laboratory">
                 <a:extLst>
                   <a:ext uri="{FF2B5EF4-FFF2-40B4-BE49-F238E27FC236}">
-                    <a16:creationId xmlns:a16="http://schemas.microsoft.com/office/drawing/2014/main" id="{B1043C93-A191-174E-AB7C-810F33F7A181}"/>
+                    <a16:creationId xmlns:a16="http://schemas.microsoft.com/office/drawing/2014/main" id="{B8529B7E-07D5-E141-B499-EE5C2345A50C}"/>
                   </a:ext>
                 </a:extLst>
               </p:cNvPr>
@@ -14100,7 +14100,7 @@
               <a:effectLst/>
               <a:extLst>
                 <a:ext uri="{C572A759-6A51-4108-AA02-DFA0A04FC94B}">
-                  <ma14:wrappingTextBoxFlag xmlns="" xmlns:m="http://schemas.openxmlformats.org/officeDocument/2006/math" xmlns:a14="http://schemas.microsoft.com/office/drawing/2010/main" xmlns:ma14="http://schemas.microsoft.com/office/mac/drawingml/2011/main" val="1"/>
+                  <ma14:wrappingTextBoxFlag xmlns:ma14="http://schemas.microsoft.com/office/mac/drawingml/2011/main" xmlns:a14="http://schemas.microsoft.com/office/drawing/2010/main" xmlns:m="http://schemas.openxmlformats.org/officeDocument/2006/math" xmlns="" val="1"/>
                 </a:ext>
               </a:extLst>
             </p:spPr>
@@ -14267,10 +14267,10 @@
           </p:sp>
           <p:sp>
             <p:nvSpPr>
-              <p:cNvPr id="33" name="Intelligent Information Retrieval Laboratory">
+              <p:cNvPr id="41" name="Intelligent Information Retrieval Laboratory">
                 <a:extLst>
                   <a:ext uri="{FF2B5EF4-FFF2-40B4-BE49-F238E27FC236}">
-                    <a16:creationId xmlns:a16="http://schemas.microsoft.com/office/drawing/2014/main" id="{75077C32-B839-A74F-9155-370084245BD5}"/>
+                    <a16:creationId xmlns:a16="http://schemas.microsoft.com/office/drawing/2014/main" id="{84C7A30A-0B3B-CF47-9E65-BFA58A16D0C3}"/>
                   </a:ext>
                 </a:extLst>
               </p:cNvPr>
@@ -14293,7 +14293,7 @@
               <a:effectLst/>
               <a:extLst>
                 <a:ext uri="{C572A759-6A51-4108-AA02-DFA0A04FC94B}">
-                  <ma14:wrappingTextBoxFlag xmlns="" xmlns:m="http://schemas.openxmlformats.org/officeDocument/2006/math" xmlns:a14="http://schemas.microsoft.com/office/drawing/2010/main" xmlns:ma14="http://schemas.microsoft.com/office/mac/drawingml/2011/main" val="1"/>
+                  <ma14:wrappingTextBoxFlag xmlns:ma14="http://schemas.microsoft.com/office/mac/drawingml/2011/main" xmlns:a14="http://schemas.microsoft.com/office/drawing/2010/main" xmlns:m="http://schemas.openxmlformats.org/officeDocument/2006/math" xmlns="" val="1"/>
                 </a:ext>
               </a:extLst>
             </p:spPr>
@@ -14366,10 +14366,10 @@
         </p:grpSp>
         <p:grpSp>
           <p:nvGrpSpPr>
-            <p:cNvPr id="28" name="Group 27">
+            <p:cNvPr id="36" name="Group 35">
               <a:extLst>
                 <a:ext uri="{FF2B5EF4-FFF2-40B4-BE49-F238E27FC236}">
-                  <a16:creationId xmlns:a16="http://schemas.microsoft.com/office/drawing/2014/main" id="{4CD7832A-EFDE-B04D-91D7-33EB507A44A4}"/>
+                  <a16:creationId xmlns:a16="http://schemas.microsoft.com/office/drawing/2014/main" id="{9AD12A55-6945-1D41-9BDD-6FE3C42FE3EC}"/>
                 </a:ext>
               </a:extLst>
             </p:cNvPr>
@@ -14378,18 +14378,18 @@
           </p:nvGrpSpPr>
           <p:grpSpPr>
             <a:xfrm>
-              <a:off x="7247835" y="3971848"/>
-              <a:ext cx="1876735" cy="1050587"/>
-              <a:chOff x="3891792" y="3940042"/>
-              <a:chExt cx="1876735" cy="1050587"/>
+              <a:off x="7245205" y="4043080"/>
+              <a:ext cx="1917549" cy="892736"/>
+              <a:chOff x="3889162" y="4011274"/>
+              <a:chExt cx="1917549" cy="892736"/>
             </a:xfrm>
           </p:grpSpPr>
           <p:pic>
             <p:nvPicPr>
-              <p:cNvPr id="29" name="Picture 28">
+              <p:cNvPr id="37" name="Picture 36">
                 <a:extLst>
                   <a:ext uri="{FF2B5EF4-FFF2-40B4-BE49-F238E27FC236}">
-                    <a16:creationId xmlns:a16="http://schemas.microsoft.com/office/drawing/2014/main" id="{35CC59B2-536A-B442-8547-29610C4B427E}"/>
+                    <a16:creationId xmlns:a16="http://schemas.microsoft.com/office/drawing/2014/main" id="{C65F9A37-CBE5-D146-B5F5-0C73478C555B}"/>
                   </a:ext>
                 </a:extLst>
               </p:cNvPr>
@@ -14414,8 +14414,8 @@
             </p:blipFill>
             <p:spPr bwMode="auto">
               <a:xfrm>
-                <a:off x="4489805" y="3940042"/>
-                <a:ext cx="1050587" cy="1050587"/>
+                <a:off x="4504801" y="4011274"/>
+                <a:ext cx="1080117" cy="892736"/>
               </a:xfrm>
               <a:prstGeom prst="rect">
                 <a:avLst/>
@@ -14434,10 +14434,10 @@
           </p:pic>
           <p:pic>
             <p:nvPicPr>
-              <p:cNvPr id="30" name="Picture 4" descr="Youtube logo | Logok">
+              <p:cNvPr id="38" name="Picture 4" descr="Youtube logo | Logok">
                 <a:extLst>
                   <a:ext uri="{FF2B5EF4-FFF2-40B4-BE49-F238E27FC236}">
-                    <a16:creationId xmlns:a16="http://schemas.microsoft.com/office/drawing/2014/main" id="{412BF8DD-0877-FF49-965F-EC37F3F9A1A6}"/>
+                    <a16:creationId xmlns:a16="http://schemas.microsoft.com/office/drawing/2014/main" id="{F251EC48-9874-5B4E-AE15-9F71C651D3EE}"/>
                   </a:ext>
                 </a:extLst>
               </p:cNvPr>
@@ -14462,8 +14462,8 @@
             </p:blipFill>
             <p:spPr bwMode="auto">
               <a:xfrm>
-                <a:off x="3891792" y="4187926"/>
-                <a:ext cx="739756" cy="554817"/>
+                <a:off x="3889162" y="4233740"/>
+                <a:ext cx="768344" cy="478652"/>
               </a:xfrm>
               <a:prstGeom prst="rect">
                 <a:avLst/>
@@ -14482,10 +14482,10 @@
           </p:pic>
           <p:sp>
             <p:nvSpPr>
-              <p:cNvPr id="31" name="Intelligent Information Retrieval Laboratory">
+              <p:cNvPr id="39" name="Intelligent Information Retrieval Laboratory">
                 <a:extLst>
                   <a:ext uri="{FF2B5EF4-FFF2-40B4-BE49-F238E27FC236}">
-                    <a16:creationId xmlns:a16="http://schemas.microsoft.com/office/drawing/2014/main" id="{4770DAFE-84B6-2E43-84D8-9D8C6A52DD4F}"/>
+                    <a16:creationId xmlns:a16="http://schemas.microsoft.com/office/drawing/2014/main" id="{457DE3FD-7523-BF49-A655-B4668AD1557A}"/>
                   </a:ext>
                 </a:extLst>
               </p:cNvPr>
@@ -14494,7 +14494,7 @@
             </p:nvSpPr>
             <p:spPr>
               <a:xfrm>
-                <a:off x="4549327" y="4365369"/>
+                <a:off x="4587511" y="4365368"/>
                 <a:ext cx="1219200" cy="215396"/>
               </a:xfrm>
               <a:prstGeom prst="rect">
@@ -14508,7 +14508,7 @@
               <a:effectLst/>
               <a:extLst>
                 <a:ext uri="{C572A759-6A51-4108-AA02-DFA0A04FC94B}">
-                  <ma14:wrappingTextBoxFlag xmlns="" xmlns:m="http://schemas.openxmlformats.org/officeDocument/2006/math" xmlns:a14="http://schemas.microsoft.com/office/drawing/2010/main" xmlns:ma14="http://schemas.microsoft.com/office/mac/drawingml/2011/main" val="1"/>
+                  <ma14:wrappingTextBoxFlag xmlns:ma14="http://schemas.microsoft.com/office/mac/drawingml/2011/main" xmlns:a14="http://schemas.microsoft.com/office/drawing/2010/main" xmlns:m="http://schemas.openxmlformats.org/officeDocument/2006/math" xmlns="" val="1"/>
                 </a:ext>
               </a:extLst>
             </p:spPr>
@@ -14711,7 +14711,7 @@
               <a:effectLst/>
               <a:extLst>
                 <a:ext uri="{C572A759-6A51-4108-AA02-DFA0A04FC94B}">
-                  <ma14:wrappingTextBoxFlag xmlns="" xmlns:m="http://schemas.openxmlformats.org/officeDocument/2006/math" xmlns:a14="http://schemas.microsoft.com/office/drawing/2010/main" xmlns:ma14="http://schemas.microsoft.com/office/mac/drawingml/2011/main" val="1"/>
+                  <ma14:wrappingTextBoxFlag xmlns:ma14="http://schemas.microsoft.com/office/mac/drawingml/2011/main" xmlns:a14="http://schemas.microsoft.com/office/drawing/2010/main" xmlns:m="http://schemas.openxmlformats.org/officeDocument/2006/math" xmlns="" val="1"/>
                 </a:ext>
               </a:extLst>
             </p:spPr>
@@ -14904,7 +14904,7 @@
               <a:effectLst/>
               <a:extLst>
                 <a:ext uri="{C572A759-6A51-4108-AA02-DFA0A04FC94B}">
-                  <ma14:wrappingTextBoxFlag xmlns="" xmlns:m="http://schemas.openxmlformats.org/officeDocument/2006/math" xmlns:a14="http://schemas.microsoft.com/office/drawing/2010/main" xmlns:ma14="http://schemas.microsoft.com/office/mac/drawingml/2011/main" val="1"/>
+                  <ma14:wrappingTextBoxFlag xmlns:ma14="http://schemas.microsoft.com/office/mac/drawingml/2011/main" xmlns:a14="http://schemas.microsoft.com/office/drawing/2010/main" xmlns:m="http://schemas.openxmlformats.org/officeDocument/2006/math" xmlns="" val="1"/>
                 </a:ext>
               </a:extLst>
             </p:spPr>
@@ -15119,7 +15119,7 @@
               <a:effectLst/>
               <a:extLst>
                 <a:ext uri="{C572A759-6A51-4108-AA02-DFA0A04FC94B}">
-                  <ma14:wrappingTextBoxFlag xmlns="" xmlns:m="http://schemas.openxmlformats.org/officeDocument/2006/math" xmlns:a14="http://schemas.microsoft.com/office/drawing/2010/main" xmlns:ma14="http://schemas.microsoft.com/office/mac/drawingml/2011/main" val="1"/>
+                  <ma14:wrappingTextBoxFlag xmlns:ma14="http://schemas.microsoft.com/office/mac/drawingml/2011/main" xmlns:a14="http://schemas.microsoft.com/office/drawing/2010/main" xmlns:m="http://schemas.openxmlformats.org/officeDocument/2006/math" xmlns="" val="1"/>
                 </a:ext>
               </a:extLst>
             </p:spPr>
@@ -15321,7 +15321,7 @@
               <a:effectLst/>
               <a:extLst>
                 <a:ext uri="{C572A759-6A51-4108-AA02-DFA0A04FC94B}">
-                  <ma14:wrappingTextBoxFlag xmlns="" xmlns:m="http://schemas.openxmlformats.org/officeDocument/2006/math" xmlns:a14="http://schemas.microsoft.com/office/drawing/2010/main" xmlns:ma14="http://schemas.microsoft.com/office/mac/drawingml/2011/main" val="1"/>
+                  <ma14:wrappingTextBoxFlag xmlns:ma14="http://schemas.microsoft.com/office/mac/drawingml/2011/main" xmlns:a14="http://schemas.microsoft.com/office/drawing/2010/main" xmlns:m="http://schemas.openxmlformats.org/officeDocument/2006/math" xmlns="" val="1"/>
                 </a:ext>
               </a:extLst>
             </p:spPr>
@@ -15514,7 +15514,7 @@
               <a:effectLst/>
               <a:extLst>
                 <a:ext uri="{C572A759-6A51-4108-AA02-DFA0A04FC94B}">
-                  <ma14:wrappingTextBoxFlag xmlns="" xmlns:m="http://schemas.openxmlformats.org/officeDocument/2006/math" xmlns:a14="http://schemas.microsoft.com/office/drawing/2010/main" xmlns:ma14="http://schemas.microsoft.com/office/mac/drawingml/2011/main" val="1"/>
+                  <ma14:wrappingTextBoxFlag xmlns:ma14="http://schemas.microsoft.com/office/mac/drawingml/2011/main" xmlns:a14="http://schemas.microsoft.com/office/drawing/2010/main" xmlns:m="http://schemas.openxmlformats.org/officeDocument/2006/math" xmlns="" val="1"/>
                 </a:ext>
               </a:extLst>
             </p:spPr>
@@ -15729,7 +15729,7 @@
               <a:effectLst/>
               <a:extLst>
                 <a:ext uri="{C572A759-6A51-4108-AA02-DFA0A04FC94B}">
-                  <ma14:wrappingTextBoxFlag xmlns="" xmlns:m="http://schemas.openxmlformats.org/officeDocument/2006/math" xmlns:a14="http://schemas.microsoft.com/office/drawing/2010/main" xmlns:ma14="http://schemas.microsoft.com/office/mac/drawingml/2011/main" val="1"/>
+                  <ma14:wrappingTextBoxFlag xmlns:ma14="http://schemas.microsoft.com/office/mac/drawingml/2011/main" xmlns:a14="http://schemas.microsoft.com/office/drawing/2010/main" xmlns:m="http://schemas.openxmlformats.org/officeDocument/2006/math" xmlns="" val="1"/>
                 </a:ext>
               </a:extLst>
             </p:spPr>
